--- a/slides-by-us/Intro-FoE-2025.pptx
+++ b/slides-by-us/Intro-FoE-2025.pptx
@@ -4037,12 +4037,20 @@
               <a:t>Lecturers: </a:t>
             </a:r>
             <a:r>
+              <a:rPr lang="en-US" sz="2800" dirty="0">
+                <a:solidFill>
+                  <a:schemeClr val="tx1"/>
+                </a:solidFill>
+              </a:rPr>
+              <a:t>Jana Hofmann </a:t>
+            </a:r>
+            <a:r>
               <a:rPr lang="en-US" sz="2800" dirty="0" smtClean="0">
                 <a:solidFill>
                   <a:schemeClr val="tx1"/>
                 </a:solidFill>
               </a:rPr>
-              <a:t>Jana Hoffman and C</a:t>
+              <a:t>and C</a:t>
             </a:r>
             <a:r>
               <a:rPr lang="ro-RO" sz="2800" dirty="0">
@@ -6163,14 +6171,22 @@
           </a:p>
           <a:p>
             <a:r>
-              <a:rPr lang="en-US" sz="2000" dirty="0"/>
+              <a:rPr lang="en-US" sz="1800" dirty="0"/>
               <a:t>BSc only as </a:t>
             </a:r>
             <a:r>
-              <a:rPr lang="en-US" sz="2000" dirty="0" smtClean="0"/>
-              <a:t>free elective / </a:t>
-            </a:r>
-            <a:endParaRPr lang="en-US" sz="2000" dirty="0" smtClean="0"/>
+              <a:rPr lang="en-US" sz="1800" dirty="0" smtClean="0"/>
+              <a:t>free elective </a:t>
+            </a:r>
+            <a:r>
+              <a:rPr lang="en-US" sz="1800" dirty="0"/>
+              <a:t>/ </a:t>
+            </a:r>
+            <a:r>
+              <a:rPr lang="en-US" sz="1800" dirty="0" smtClean="0"/>
+              <a:t>transit semester</a:t>
+            </a:r>
+            <a:endParaRPr lang="en-US" sz="1800" dirty="0" smtClean="0"/>
           </a:p>
         </p:txBody>
       </p:sp>
